--- a/7장/20164091-송희령-7장 과제.pptx
+++ b/7장/20164091-송희령-7장 과제.pptx
@@ -8426,7 +8426,7 @@
                   <a:srgbClr val="FF7876"/>
                 </a:solidFill>
               </a:rPr>
-              <a:t>4</a:t>
+              <a:t>2</a:t>
             </a:r>
           </a:p>
         </p:txBody>
@@ -8572,13 +8572,32 @@
                   <a:srgbClr val="FF7876"/>
                 </a:solidFill>
               </a:rPr>
-              <a:t>회원가입</a:t>
-            </a:r>
-            <a:endParaRPr lang="en-US" altLang="ko-KR" sz="1100" i="1" dirty="0">
-              <a:solidFill>
-                <a:srgbClr val="FF7876"/>
-              </a:solidFill>
-            </a:endParaRPr>
+              <a:t>종료 커맨드 추가</a:t>
+            </a:r>
+            <a:r>
+              <a:rPr lang="en-US" altLang="ko-KR" sz="1100" i="1" dirty="0">
+                <a:solidFill>
+                  <a:srgbClr val="FF7876"/>
+                </a:solidFill>
+              </a:rPr>
+              <a:t> ( </a:t>
+            </a:r>
+            <a:r>
+              <a:rPr lang="ko-KR" altLang="en-US" sz="1100" i="1" dirty="0">
+                <a:solidFill>
+                  <a:srgbClr val="FF7876"/>
+                </a:solidFill>
+              </a:rPr>
+              <a:t>실행결과 </a:t>
+            </a:r>
+            <a:r>
+              <a:rPr lang="en-US" altLang="ko-KR" sz="1100" i="1" dirty="0">
+                <a:solidFill>
+                  <a:srgbClr val="FF7876"/>
+                </a:solidFill>
+              </a:rPr>
+              <a:t>)</a:t>
+            </a:r>
           </a:p>
         </p:txBody>
       </p:sp>
@@ -8637,17 +8656,17 @@
             </a:r>
             <a:r>
               <a:rPr lang="en-US" altLang="ko-Kore-KR" sz="1100" dirty="0"/>
-              <a:t>/yooatom2200/Programing_Base_2/tree/main/5%EC%9E%A5</a:t>
+              <a:t>/yooatom2200/Programing_Base_2/tree/main/7%EC%9E%A5</a:t>
             </a:r>
           </a:p>
         </p:txBody>
       </p:sp>
       <p:pic>
         <p:nvPicPr>
-          <p:cNvPr id="3" name="그림 2">
-            <a:extLst>
-              <a:ext uri="{FF2B5EF4-FFF2-40B4-BE49-F238E27FC236}">
-                <a16:creationId xmlns:a16="http://schemas.microsoft.com/office/drawing/2014/main" id="{E9B0CF14-8145-584C-AD0D-ABCFDAB888EC}"/>
+          <p:cNvPr id="2" name="그림 1">
+            <a:extLst>
+              <a:ext uri="{FF2B5EF4-FFF2-40B4-BE49-F238E27FC236}">
+                <a16:creationId xmlns:a16="http://schemas.microsoft.com/office/drawing/2014/main" id="{5F289475-C7E7-AF4B-A5EE-0B9BA9460208}"/>
               </a:ext>
             </a:extLst>
           </p:cNvPr>
@@ -8664,8 +8683,8 @@
         </p:blipFill>
         <p:spPr>
           <a:xfrm>
-            <a:off x="16171" y="1598505"/>
-            <a:ext cx="6079829" cy="3491713"/>
+            <a:off x="255699" y="1609697"/>
+            <a:ext cx="5840301" cy="3354149"/>
           </a:xfrm>
           <a:prstGeom prst="rect">
             <a:avLst/>
@@ -8674,10 +8693,10 @@
       </p:pic>
       <p:pic>
         <p:nvPicPr>
-          <p:cNvPr id="4" name="그림 3">
-            <a:extLst>
-              <a:ext uri="{FF2B5EF4-FFF2-40B4-BE49-F238E27FC236}">
-                <a16:creationId xmlns:a16="http://schemas.microsoft.com/office/drawing/2014/main" id="{ED8A2116-0ADD-DB4C-9134-CBE162EB34D8}"/>
+          <p:cNvPr id="5" name="그림 4">
+            <a:extLst>
+              <a:ext uri="{FF2B5EF4-FFF2-40B4-BE49-F238E27FC236}">
+                <a16:creationId xmlns:a16="http://schemas.microsoft.com/office/drawing/2014/main" id="{41A9A54B-C9B0-1D4D-A0BF-C6ADA94FCF26}"/>
               </a:ext>
             </a:extLst>
           </p:cNvPr>
@@ -8694,8 +8713,8 @@
         </p:blipFill>
         <p:spPr>
           <a:xfrm>
-            <a:off x="6018861" y="1598505"/>
-            <a:ext cx="6079829" cy="3491713"/>
+            <a:off x="6096000" y="1609697"/>
+            <a:ext cx="5840301" cy="3354149"/>
           </a:xfrm>
           <a:prstGeom prst="rect">
             <a:avLst/>
